--- a/ppt/nodejs-as-infrastructure.pptx
+++ b/ppt/nodejs-as-infrastructure.pptx
@@ -5456,8 +5456,8 @@
         </p:blipFill>
         <p:spPr>
           <a:xfrm>
-            <a:off x="5346766" y="3893798"/>
-            <a:ext cx="1332683" cy="720961"/>
+            <a:off x="10503567" y="4760719"/>
+            <a:ext cx="1332683" cy="720960"/>
           </a:xfrm>
           <a:prstGeom prst="rect">
             <a:avLst/>
@@ -5541,6 +5541,33 @@
           <a:xfrm>
             <a:off x="7959655" y="7861881"/>
             <a:ext cx="1061627" cy="1198218"/>
+          </a:xfrm>
+          <a:prstGeom prst="rect">
+            <a:avLst/>
+          </a:prstGeom>
+          <a:ln w="12700">
+            <a:miter lim="400000"/>
+          </a:ln>
+        </p:spPr>
+      </p:pic>
+      <p:pic>
+        <p:nvPicPr>
+          <p:cNvPr id="202" name="pasted-image.tif"/>
+          <p:cNvPicPr/>
+          <p:nvPr/>
+        </p:nvPicPr>
+        <p:blipFill>
+          <a:blip r:embed="rId10">
+            <a:extLst/>
+          </a:blip>
+          <a:stretch>
+            <a:fillRect/>
+          </a:stretch>
+        </p:blipFill>
+        <p:spPr>
+          <a:xfrm>
+            <a:off x="5462896" y="3921935"/>
+            <a:ext cx="714654" cy="720960"/>
           </a:xfrm>
           <a:prstGeom prst="rect">
             <a:avLst/>
@@ -5585,7 +5612,7 @@
       </p:grpSpPr>
       <p:pic>
         <p:nvPicPr>
-          <p:cNvPr id="203" name="pasted-image.tif"/>
+          <p:cNvPr id="204" name="pasted-image.tif"/>
           <p:cNvPicPr/>
           <p:nvPr/>
         </p:nvPicPr>
@@ -5612,7 +5639,7 @@
       </p:pic>
       <p:sp>
         <p:nvSpPr>
-          <p:cNvPr id="204" name="Shape 204"/>
+          <p:cNvPr id="205" name="Shape 205"/>
           <p:cNvSpPr/>
           <p:nvPr/>
         </p:nvSpPr>
@@ -5671,7 +5698,7 @@
       </p:sp>
       <p:sp>
         <p:nvSpPr>
-          <p:cNvPr id="205" name="Shape 205"/>
+          <p:cNvPr id="206" name="Shape 206"/>
           <p:cNvSpPr/>
           <p:nvPr>
             <p:ph type="title"/>
@@ -5719,7 +5746,7 @@
       </p:sp>
       <p:sp>
         <p:nvSpPr>
-          <p:cNvPr id="206" name="Shape 206"/>
+          <p:cNvPr id="207" name="Shape 207"/>
           <p:cNvSpPr/>
           <p:nvPr/>
         </p:nvSpPr>
@@ -5778,7 +5805,7 @@
       </p:sp>
       <p:sp>
         <p:nvSpPr>
-          <p:cNvPr id="207" name="Shape 207"/>
+          <p:cNvPr id="208" name="Shape 208"/>
           <p:cNvSpPr/>
           <p:nvPr/>
         </p:nvSpPr>
@@ -5968,7 +5995,7 @@
       </p:grpSpPr>
       <p:pic>
         <p:nvPicPr>
-          <p:cNvPr id="209" name="pasted-image.tif"/>
+          <p:cNvPr id="210" name="pasted-image.tif"/>
           <p:cNvPicPr/>
           <p:nvPr/>
         </p:nvPicPr>
@@ -5995,7 +6022,7 @@
       </p:pic>
       <p:sp>
         <p:nvSpPr>
-          <p:cNvPr id="210" name="Shape 210"/>
+          <p:cNvPr id="211" name="Shape 211"/>
           <p:cNvSpPr/>
           <p:nvPr/>
         </p:nvSpPr>
@@ -6054,7 +6081,7 @@
       </p:sp>
       <p:sp>
         <p:nvSpPr>
-          <p:cNvPr id="211" name="Shape 211"/>
+          <p:cNvPr id="212" name="Shape 212"/>
           <p:cNvSpPr/>
           <p:nvPr>
             <p:ph type="title"/>
@@ -6102,7 +6129,7 @@
       </p:sp>
       <p:sp>
         <p:nvSpPr>
-          <p:cNvPr id="212" name="Shape 212"/>
+          <p:cNvPr id="213" name="Shape 213"/>
           <p:cNvSpPr/>
           <p:nvPr/>
         </p:nvSpPr>
@@ -6161,7 +6188,7 @@
       </p:sp>
       <p:sp>
         <p:nvSpPr>
-          <p:cNvPr id="213" name="Shape 213"/>
+          <p:cNvPr id="214" name="Shape 214"/>
           <p:cNvSpPr/>
           <p:nvPr/>
         </p:nvSpPr>
@@ -6216,7 +6243,7 @@
       </p:sp>
       <p:pic>
         <p:nvPicPr>
-          <p:cNvPr id="214" name="duoshuo_logo.png"/>
+          <p:cNvPr id="215" name="duoshuo_logo.png"/>
           <p:cNvPicPr/>
           <p:nvPr/>
         </p:nvPicPr>
@@ -6230,8 +6257,8 @@
         </p:blipFill>
         <p:spPr>
           <a:xfrm>
-            <a:off x="4626955" y="5928700"/>
-            <a:ext cx="2112124" cy="2112124"/>
+            <a:off x="3774932" y="5659939"/>
+            <a:ext cx="2112124" cy="2112125"/>
           </a:xfrm>
           <a:prstGeom prst="rect">
             <a:avLst/>
@@ -6243,14 +6270,14 @@
       </p:pic>
       <p:sp>
         <p:nvSpPr>
-          <p:cNvPr id="215" name="Shape 215"/>
+          <p:cNvPr id="216" name="Shape 216"/>
           <p:cNvSpPr/>
           <p:nvPr/>
         </p:nvSpPr>
         <p:spPr>
           <a:xfrm>
-            <a:off x="6800553" y="6768862"/>
-            <a:ext cx="1435101" cy="431800"/>
+            <a:off x="5982486" y="6258801"/>
+            <a:ext cx="1435101" cy="431801"/>
           </a:xfrm>
           <a:prstGeom prst="rect">
             <a:avLst/>
@@ -6292,6 +6319,61 @@
                 </a:solidFill>
               </a:rPr>
               <a:t>正在招人</a:t>
+            </a:r>
+          </a:p>
+        </p:txBody>
+      </p:sp>
+      <p:sp>
+        <p:nvSpPr>
+          <p:cNvPr id="217" name="Shape 217"/>
+          <p:cNvSpPr/>
+          <p:nvPr/>
+        </p:nvSpPr>
+        <p:spPr>
+          <a:xfrm>
+            <a:off x="5982486" y="6759365"/>
+            <a:ext cx="3926130" cy="431800"/>
+          </a:xfrm>
+          <a:prstGeom prst="rect">
+            <a:avLst/>
+          </a:prstGeom>
+          <a:ln w="12700">
+            <a:miter lim="400000"/>
+          </a:ln>
+          <a:extLst>
+            <a:ext uri="{C572A759-6A51-4108-AA02-DFA0A04FC94B}">
+              <ma14:wrappingTextBoxFlag xmlns:ma14="http://schemas.microsoft.com/office/mac/drawingml/2011/main" val="1"/>
+            </a:ext>
+          </a:extLst>
+        </p:spPr>
+        <p:txBody>
+          <a:bodyPr wrap="none" lIns="50800" tIns="50800" rIns="50800" bIns="50800" anchor="ctr">
+            <a:spAutoFit/>
+          </a:bodyPr>
+          <a:lstStyle>
+            <a:lvl1pPr>
+              <a:defRPr sz="2600">
+                <a:solidFill>
+                  <a:srgbClr val="FFFFFF"/>
+                </a:solidFill>
+              </a:defRPr>
+            </a:lvl1pPr>
+          </a:lstStyle>
+          <a:p>
+            <a:pPr lvl="0">
+              <a:defRPr sz="1800">
+                <a:solidFill>
+                  <a:srgbClr val="000000"/>
+                </a:solidFill>
+              </a:defRPr>
+            </a:pPr>
+            <a:r>
+              <a:rPr sz="2600">
+                <a:solidFill>
+                  <a:srgbClr val="FFFFFF"/>
+                </a:solidFill>
+              </a:rPr>
+              <a:t>NoSql DBA、 Go 程序员</a:t>
             </a:r>
           </a:p>
         </p:txBody>
